--- a/Case Study Presentation.pptx
+++ b/Case Study Presentation.pptx
@@ -5,17 +5,18 @@
     <p:sldMasterId id="2147483815" r:id="rId1"/>
   </p:sldMasterIdLst>
   <p:notesMasterIdLst>
-    <p:notesMasterId r:id="rId10"/>
+    <p:notesMasterId r:id="rId11"/>
   </p:notesMasterIdLst>
   <p:sldIdLst>
     <p:sldId id="256" r:id="rId2"/>
-    <p:sldId id="257" r:id="rId3"/>
-    <p:sldId id="260" r:id="rId4"/>
-    <p:sldId id="261" r:id="rId5"/>
-    <p:sldId id="267" r:id="rId6"/>
-    <p:sldId id="264" r:id="rId7"/>
-    <p:sldId id="266" r:id="rId8"/>
-    <p:sldId id="265" r:id="rId9"/>
+    <p:sldId id="268" r:id="rId3"/>
+    <p:sldId id="257" r:id="rId4"/>
+    <p:sldId id="260" r:id="rId5"/>
+    <p:sldId id="261" r:id="rId6"/>
+    <p:sldId id="267" r:id="rId7"/>
+    <p:sldId id="264" r:id="rId8"/>
+    <p:sldId id="266" r:id="rId9"/>
+    <p:sldId id="265" r:id="rId10"/>
   </p:sldIdLst>
   <p:sldSz cx="12192000" cy="6858000"/>
   <p:notesSz cx="6858000" cy="9144000"/>
@@ -114,6 +115,11 @@
       </a:defRPr>
     </a:lvl9pPr>
   </p:defaultTextStyle>
+  <p:extLst>
+    <p:ext uri="{EFAFB233-063F-42B5-8137-9DF3F51BA10A}">
+      <p15:sldGuideLst xmlns:p15="http://schemas.microsoft.com/office/powerpoint/2012/main"/>
+    </p:ext>
+  </p:extLst>
 </p:presentation>
 </file>
 
@@ -11741,7 +11747,13 @@
     </p:bg>
     <p:spTree>
       <p:nvGrpSpPr>
-        <p:cNvPr id="1" name=""/>
+        <p:cNvPr id="1" name="">
+          <a:extLst>
+            <a:ext uri="{FF2B5EF4-FFF2-40B4-BE49-F238E27FC236}">
+              <a16:creationId xmlns:a16="http://schemas.microsoft.com/office/drawing/2014/main" id="{73BC12D8-42B0-8F25-4474-E9F0A86D5761}"/>
+            </a:ext>
+          </a:extLst>
+        </p:cNvPr>
         <p:cNvGrpSpPr/>
         <p:nvPr/>
       </p:nvGrpSpPr>
@@ -11758,7 +11770,7 @@
           <p:cNvPr id="8" name="Rectangle 7">
             <a:extLst>
               <a:ext uri="{FF2B5EF4-FFF2-40B4-BE49-F238E27FC236}">
-                <a16:creationId xmlns:a16="http://schemas.microsoft.com/office/drawing/2014/main" id="{1B15ED52-F352-441B-82BF-E0EA34836D08}"/>
+                <a16:creationId xmlns:a16="http://schemas.microsoft.com/office/drawing/2014/main" id="{F3629A01-78D6-08B9-4535-EC2E8A4739C9}"/>
               </a:ext>
               <a:ext uri="{C183D7F6-B498-43B3-948B-1728B52AA6E4}">
                 <adec:decorative xmlns:adec="http://schemas.microsoft.com/office/drawing/2017/decorative" val="1"/>
@@ -11834,7 +11846,7 @@
           <p:cNvPr id="10" name="Rectangle 9">
             <a:extLst>
               <a:ext uri="{FF2B5EF4-FFF2-40B4-BE49-F238E27FC236}">
-                <a16:creationId xmlns:a16="http://schemas.microsoft.com/office/drawing/2014/main" id="{3B2E3793-BFE6-45A2-9B7B-E18844431C99}"/>
+                <a16:creationId xmlns:a16="http://schemas.microsoft.com/office/drawing/2014/main" id="{B15FF9AB-78EF-BD9F-741C-0E5E520656DD}"/>
               </a:ext>
               <a:ext uri="{C183D7F6-B498-43B3-948B-1728B52AA6E4}">
                 <adec:decorative xmlns:adec="http://schemas.microsoft.com/office/drawing/2017/decorative" val="1"/>
@@ -11907,7 +11919,7 @@
           <p:cNvPr id="12" name="Rectangle 11">
             <a:extLst>
               <a:ext uri="{FF2B5EF4-FFF2-40B4-BE49-F238E27FC236}">
-                <a16:creationId xmlns:a16="http://schemas.microsoft.com/office/drawing/2014/main" id="{BC4C4868-CB8F-4AF9-9CDB-8108F2C19B67}"/>
+                <a16:creationId xmlns:a16="http://schemas.microsoft.com/office/drawing/2014/main" id="{68F03333-5F87-F80A-BD74-978778B89F46}"/>
               </a:ext>
               <a:ext uri="{C183D7F6-B498-43B3-948B-1728B52AA6E4}">
                 <adec:decorative xmlns:adec="http://schemas.microsoft.com/office/drawing/2017/decorative" val="1"/>
@@ -11983,7 +11995,7 @@
           <p:cNvPr id="14" name="Rectangle 13">
             <a:extLst>
               <a:ext uri="{FF2B5EF4-FFF2-40B4-BE49-F238E27FC236}">
-                <a16:creationId xmlns:a16="http://schemas.microsoft.com/office/drawing/2014/main" id="{375E0459-6403-40CD-989D-56A4407CA12E}"/>
+                <a16:creationId xmlns:a16="http://schemas.microsoft.com/office/drawing/2014/main" id="{4B40EAF1-35A4-FC98-336C-83FBDABF2F04}"/>
               </a:ext>
               <a:ext uri="{C183D7F6-B498-43B3-948B-1728B52AA6E4}">
                 <adec:decorative xmlns:adec="http://schemas.microsoft.com/office/drawing/2017/decorative" val="1"/>
@@ -12058,7 +12070,7 @@
           <p:cNvPr id="16" name="Rectangle 15">
             <a:extLst>
               <a:ext uri="{FF2B5EF4-FFF2-40B4-BE49-F238E27FC236}">
-                <a16:creationId xmlns:a16="http://schemas.microsoft.com/office/drawing/2014/main" id="{53E5B1A8-3AC9-4BD1-9BBC-78CA94F2D1BA}"/>
+                <a16:creationId xmlns:a16="http://schemas.microsoft.com/office/drawing/2014/main" id="{29F3EC70-7FCF-1B25-DB62-F7625D132190}"/>
               </a:ext>
               <a:ext uri="{C183D7F6-B498-43B3-948B-1728B52AA6E4}">
                 <adec:decorative xmlns:adec="http://schemas.microsoft.com/office/drawing/2017/decorative" val="1"/>
@@ -12134,6 +12146,891 @@
           <p:cNvPr id="2" name="Title 1">
             <a:extLst>
               <a:ext uri="{FF2B5EF4-FFF2-40B4-BE49-F238E27FC236}">
+                <a16:creationId xmlns:a16="http://schemas.microsoft.com/office/drawing/2014/main" id="{9EE37BAF-2110-C9BA-99F2-1B74B148D519}"/>
+              </a:ext>
+            </a:extLst>
+          </p:cNvPr>
+          <p:cNvSpPr>
+            <a:spLocks noGrp="1"/>
+          </p:cNvSpPr>
+          <p:nvPr>
+            <p:ph type="title"/>
+          </p:nvPr>
+        </p:nvSpPr>
+        <p:spPr>
+          <a:xfrm>
+            <a:off x="119742" y="1061819"/>
+            <a:ext cx="9895951" cy="357076"/>
+          </a:xfrm>
+        </p:spPr>
+        <p:txBody>
+          <a:bodyPr>
+            <a:noAutofit/>
+          </a:bodyPr>
+          <a:lstStyle/>
+          <a:p>
+            <a:r>
+              <a:rPr lang="en-US" sz="3400" dirty="0">
+                <a:solidFill>
+                  <a:schemeClr val="bg1">
+                    <a:lumMod val="85000"/>
+                  </a:schemeClr>
+                </a:solidFill>
+                <a:latin typeface="Baskerville Old Face" panose="02020602080505020303" pitchFamily="18" charset="0"/>
+              </a:rPr>
+              <a:t>Introduction</a:t>
+            </a:r>
+          </a:p>
+        </p:txBody>
+      </p:sp>
+      <p:sp>
+        <p:nvSpPr>
+          <p:cNvPr id="5" name="Title 1">
+            <a:extLst>
+              <a:ext uri="{FF2B5EF4-FFF2-40B4-BE49-F238E27FC236}">
+                <a16:creationId xmlns:a16="http://schemas.microsoft.com/office/drawing/2014/main" id="{B5396F2B-5533-7AAE-F39F-89823FC03FCF}"/>
+              </a:ext>
+            </a:extLst>
+          </p:cNvPr>
+          <p:cNvSpPr txBox="1">
+            <a:spLocks/>
+          </p:cNvSpPr>
+          <p:nvPr/>
+        </p:nvSpPr>
+        <p:spPr>
+          <a:xfrm>
+            <a:off x="4442528" y="1725542"/>
+            <a:ext cx="5444382" cy="1402470"/>
+          </a:xfrm>
+          <a:prstGeom prst="rect">
+            <a:avLst/>
+          </a:prstGeom>
+        </p:spPr>
+        <p:txBody>
+          <a:bodyPr vert="horz" lIns="91440" tIns="45720" rIns="91440" bIns="45720" rtlCol="0" anchor="t">
+            <a:normAutofit/>
+          </a:bodyPr>
+          <a:lstStyle>
+            <a:lvl1pPr algn="l" defTabSz="914400" rtl="0" eaLnBrk="1" latinLnBrk="0" hangingPunct="1">
+              <a:lnSpc>
+                <a:spcPct val="90000"/>
+              </a:lnSpc>
+              <a:spcBef>
+                <a:spcPct val="0"/>
+              </a:spcBef>
+              <a:buNone/>
+              <a:defRPr sz="4400" kern="1200">
+                <a:solidFill>
+                  <a:schemeClr val="tx1"/>
+                </a:solidFill>
+                <a:latin typeface="+mj-lt"/>
+                <a:ea typeface="+mj-ea"/>
+                <a:cs typeface="+mj-cs"/>
+              </a:defRPr>
+            </a:lvl1pPr>
+          </a:lstStyle>
+          <a:p>
+            <a:endParaRPr lang="en-US" sz="3200" dirty="0">
+              <a:latin typeface="Baskerville Old Face" panose="02020602080505020303" pitchFamily="18" charset="0"/>
+            </a:endParaRPr>
+          </a:p>
+        </p:txBody>
+      </p:sp>
+      <p:sp>
+        <p:nvSpPr>
+          <p:cNvPr id="6" name="Content Placeholder 3">
+            <a:extLst>
+              <a:ext uri="{FF2B5EF4-FFF2-40B4-BE49-F238E27FC236}">
+                <a16:creationId xmlns:a16="http://schemas.microsoft.com/office/drawing/2014/main" id="{A8E12369-6AE0-BD23-5FF3-AA56423C7473}"/>
+              </a:ext>
+            </a:extLst>
+          </p:cNvPr>
+          <p:cNvSpPr txBox="1">
+            <a:spLocks/>
+          </p:cNvSpPr>
+          <p:nvPr/>
+        </p:nvSpPr>
+        <p:spPr>
+          <a:xfrm>
+            <a:off x="327727" y="2104539"/>
+            <a:ext cx="6660901" cy="3591207"/>
+          </a:xfrm>
+          <a:prstGeom prst="rect">
+            <a:avLst/>
+          </a:prstGeom>
+        </p:spPr>
+        <p:txBody>
+          <a:bodyPr vert="horz" lIns="91440" tIns="45720" rIns="91440" bIns="45720" rtlCol="0">
+            <a:normAutofit fontScale="92500" lnSpcReduction="10000"/>
+          </a:bodyPr>
+          <a:lstStyle>
+            <a:lvl1pPr marL="228600" indent="-228600" algn="l" defTabSz="914400" rtl="0" eaLnBrk="1" latinLnBrk="0" hangingPunct="1">
+              <a:lnSpc>
+                <a:spcPct val="90000"/>
+              </a:lnSpc>
+              <a:spcBef>
+                <a:spcPts val="1000"/>
+              </a:spcBef>
+              <a:buFont typeface="Arial" panose="020B0604020202020204" pitchFamily="34" charset="0"/>
+              <a:buChar char="•"/>
+              <a:defRPr sz="2800" kern="1200">
+                <a:solidFill>
+                  <a:schemeClr val="tx1"/>
+                </a:solidFill>
+                <a:latin typeface="+mn-lt"/>
+                <a:ea typeface="+mn-ea"/>
+                <a:cs typeface="+mn-cs"/>
+              </a:defRPr>
+            </a:lvl1pPr>
+            <a:lvl2pPr marL="685800" indent="-228600" algn="l" defTabSz="914400" rtl="0" eaLnBrk="1" latinLnBrk="0" hangingPunct="1">
+              <a:lnSpc>
+                <a:spcPct val="90000"/>
+              </a:lnSpc>
+              <a:spcBef>
+                <a:spcPts val="500"/>
+              </a:spcBef>
+              <a:buFont typeface="Arial" panose="020B0604020202020204" pitchFamily="34" charset="0"/>
+              <a:buChar char="•"/>
+              <a:defRPr sz="2400" kern="1200">
+                <a:solidFill>
+                  <a:schemeClr val="tx1"/>
+                </a:solidFill>
+                <a:latin typeface="+mn-lt"/>
+                <a:ea typeface="+mn-ea"/>
+                <a:cs typeface="+mn-cs"/>
+              </a:defRPr>
+            </a:lvl2pPr>
+            <a:lvl3pPr marL="1143000" indent="-228600" algn="l" defTabSz="914400" rtl="0" eaLnBrk="1" latinLnBrk="0" hangingPunct="1">
+              <a:lnSpc>
+                <a:spcPct val="90000"/>
+              </a:lnSpc>
+              <a:spcBef>
+                <a:spcPts val="500"/>
+              </a:spcBef>
+              <a:buFont typeface="Arial" panose="020B0604020202020204" pitchFamily="34" charset="0"/>
+              <a:buChar char="•"/>
+              <a:defRPr sz="2000" kern="1200">
+                <a:solidFill>
+                  <a:schemeClr val="tx1"/>
+                </a:solidFill>
+                <a:latin typeface="+mn-lt"/>
+                <a:ea typeface="+mn-ea"/>
+                <a:cs typeface="+mn-cs"/>
+              </a:defRPr>
+            </a:lvl3pPr>
+            <a:lvl4pPr marL="1600200" indent="-228600" algn="l" defTabSz="914400" rtl="0" eaLnBrk="1" latinLnBrk="0" hangingPunct="1">
+              <a:lnSpc>
+                <a:spcPct val="90000"/>
+              </a:lnSpc>
+              <a:spcBef>
+                <a:spcPts val="500"/>
+              </a:spcBef>
+              <a:buFont typeface="Arial" panose="020B0604020202020204" pitchFamily="34" charset="0"/>
+              <a:buChar char="•"/>
+              <a:defRPr sz="1800" kern="1200">
+                <a:solidFill>
+                  <a:schemeClr val="tx1"/>
+                </a:solidFill>
+                <a:latin typeface="+mn-lt"/>
+                <a:ea typeface="+mn-ea"/>
+                <a:cs typeface="+mn-cs"/>
+              </a:defRPr>
+            </a:lvl4pPr>
+            <a:lvl5pPr marL="2057400" indent="-228600" algn="l" defTabSz="914400" rtl="0" eaLnBrk="1" latinLnBrk="0" hangingPunct="1">
+              <a:lnSpc>
+                <a:spcPct val="90000"/>
+              </a:lnSpc>
+              <a:spcBef>
+                <a:spcPts val="500"/>
+              </a:spcBef>
+              <a:buFont typeface="Arial" panose="020B0604020202020204" pitchFamily="34" charset="0"/>
+              <a:buChar char="•"/>
+              <a:defRPr sz="1800" kern="1200">
+                <a:solidFill>
+                  <a:schemeClr val="tx1"/>
+                </a:solidFill>
+                <a:latin typeface="+mn-lt"/>
+                <a:ea typeface="+mn-ea"/>
+                <a:cs typeface="+mn-cs"/>
+              </a:defRPr>
+            </a:lvl5pPr>
+            <a:lvl6pPr marL="2514600" indent="-228600" algn="l" defTabSz="914400" rtl="0" eaLnBrk="1" latinLnBrk="0" hangingPunct="1">
+              <a:lnSpc>
+                <a:spcPct val="90000"/>
+              </a:lnSpc>
+              <a:spcBef>
+                <a:spcPts val="500"/>
+              </a:spcBef>
+              <a:buFont typeface="Arial" panose="020B0604020202020204" pitchFamily="34" charset="0"/>
+              <a:buChar char="•"/>
+              <a:defRPr sz="1800" kern="1200">
+                <a:solidFill>
+                  <a:schemeClr val="tx1"/>
+                </a:solidFill>
+                <a:latin typeface="+mn-lt"/>
+                <a:ea typeface="+mn-ea"/>
+                <a:cs typeface="+mn-cs"/>
+              </a:defRPr>
+            </a:lvl6pPr>
+            <a:lvl7pPr marL="2971800" indent="-228600" algn="l" defTabSz="914400" rtl="0" eaLnBrk="1" latinLnBrk="0" hangingPunct="1">
+              <a:lnSpc>
+                <a:spcPct val="90000"/>
+              </a:lnSpc>
+              <a:spcBef>
+                <a:spcPts val="500"/>
+              </a:spcBef>
+              <a:buFont typeface="Arial" panose="020B0604020202020204" pitchFamily="34" charset="0"/>
+              <a:buChar char="•"/>
+              <a:defRPr sz="1800" kern="1200">
+                <a:solidFill>
+                  <a:schemeClr val="tx1"/>
+                </a:solidFill>
+                <a:latin typeface="+mn-lt"/>
+                <a:ea typeface="+mn-ea"/>
+                <a:cs typeface="+mn-cs"/>
+              </a:defRPr>
+            </a:lvl7pPr>
+            <a:lvl8pPr marL="3429000" indent="-228600" algn="l" defTabSz="914400" rtl="0" eaLnBrk="1" latinLnBrk="0" hangingPunct="1">
+              <a:lnSpc>
+                <a:spcPct val="90000"/>
+              </a:lnSpc>
+              <a:spcBef>
+                <a:spcPts val="500"/>
+              </a:spcBef>
+              <a:buFont typeface="Arial" panose="020B0604020202020204" pitchFamily="34" charset="0"/>
+              <a:buChar char="•"/>
+              <a:defRPr sz="1800" kern="1200">
+                <a:solidFill>
+                  <a:schemeClr val="tx1"/>
+                </a:solidFill>
+                <a:latin typeface="+mn-lt"/>
+                <a:ea typeface="+mn-ea"/>
+                <a:cs typeface="+mn-cs"/>
+              </a:defRPr>
+            </a:lvl8pPr>
+            <a:lvl9pPr marL="3886200" indent="-228600" algn="l" defTabSz="914400" rtl="0" eaLnBrk="1" latinLnBrk="0" hangingPunct="1">
+              <a:lnSpc>
+                <a:spcPct val="90000"/>
+              </a:lnSpc>
+              <a:spcBef>
+                <a:spcPts val="500"/>
+              </a:spcBef>
+              <a:buFont typeface="Arial" panose="020B0604020202020204" pitchFamily="34" charset="0"/>
+              <a:buChar char="•"/>
+              <a:defRPr sz="1800" kern="1200">
+                <a:solidFill>
+                  <a:schemeClr val="tx1"/>
+                </a:solidFill>
+                <a:latin typeface="+mn-lt"/>
+                <a:ea typeface="+mn-ea"/>
+                <a:cs typeface="+mn-cs"/>
+              </a:defRPr>
+            </a:lvl9pPr>
+          </a:lstStyle>
+          <a:p>
+            <a:r>
+              <a:rPr lang="en-US" sz="2400" dirty="0">
+                <a:latin typeface="Baskerville Old Face" panose="02020602080505020303" pitchFamily="18" charset="0"/>
+              </a:rPr>
+              <a:t>13 years of Experience as Software Engineer</a:t>
+            </a:r>
+          </a:p>
+          <a:p>
+            <a:r>
+              <a:rPr lang="en-US" sz="2400" dirty="0">
+                <a:latin typeface="Baskerville Old Face" panose="02020602080505020303" pitchFamily="18" charset="0"/>
+              </a:rPr>
+              <a:t> Technical Skills</a:t>
+            </a:r>
+          </a:p>
+          <a:p>
+            <a:pPr lvl="1"/>
+            <a:r>
+              <a:rPr lang="en-US" sz="2000" dirty="0">
+                <a:latin typeface="Baskerville Old Face" panose="02020602080505020303" pitchFamily="18" charset="0"/>
+              </a:rPr>
+              <a:t>Azure, AWS</a:t>
+            </a:r>
+          </a:p>
+          <a:p>
+            <a:pPr lvl="1"/>
+            <a:r>
+              <a:rPr lang="en-US" sz="2000" dirty="0">
+                <a:latin typeface="Baskerville Old Face" panose="02020602080505020303" pitchFamily="18" charset="0"/>
+              </a:rPr>
+              <a:t>C#, .NET</a:t>
+            </a:r>
+          </a:p>
+          <a:p>
+            <a:pPr lvl="1"/>
+            <a:r>
+              <a:rPr lang="en-US" sz="2000" dirty="0">
+                <a:latin typeface="Baskerville Old Face" panose="02020602080505020303" pitchFamily="18" charset="0"/>
+              </a:rPr>
+              <a:t>Event Driven Architecture, Messaging Systems, Microservices</a:t>
+            </a:r>
+          </a:p>
+          <a:p>
+            <a:r>
+              <a:rPr lang="en-US" sz="2400" dirty="0">
+                <a:latin typeface="Baskerville Old Face" panose="02020602080505020303" pitchFamily="18" charset="0"/>
+              </a:rPr>
+              <a:t> Software Development Process Experience</a:t>
+            </a:r>
+          </a:p>
+          <a:p>
+            <a:pPr lvl="1"/>
+            <a:r>
+              <a:rPr lang="en-US" sz="2000" dirty="0">
+                <a:latin typeface="Baskerville Old Face" panose="02020602080505020303" pitchFamily="18" charset="0"/>
+              </a:rPr>
+              <a:t>Infrastructure as Code</a:t>
+            </a:r>
+          </a:p>
+          <a:p>
+            <a:pPr lvl="1"/>
+            <a:r>
+              <a:rPr lang="en-US" sz="2000" dirty="0">
+                <a:latin typeface="Baskerville Old Face" panose="02020602080505020303" pitchFamily="18" charset="0"/>
+              </a:rPr>
+              <a:t>Application Performance Monitoring</a:t>
+            </a:r>
+          </a:p>
+          <a:p>
+            <a:pPr lvl="1"/>
+            <a:r>
+              <a:rPr lang="en-US" sz="2000" dirty="0">
+                <a:latin typeface="Baskerville Old Face" panose="02020602080505020303" pitchFamily="18" charset="0"/>
+              </a:rPr>
+              <a:t>Features -&gt; User Stories -&gt; Technical Solutions</a:t>
+            </a:r>
+          </a:p>
+          <a:p>
+            <a:r>
+              <a:rPr lang="en-US" sz="2400" dirty="0">
+                <a:latin typeface="Baskerville Old Face" panose="02020602080505020303" pitchFamily="18" charset="0"/>
+              </a:rPr>
+              <a:t> Agile and Scrum</a:t>
+            </a:r>
+          </a:p>
+        </p:txBody>
+      </p:sp>
+    </p:spTree>
+    <p:extLst>
+      <p:ext uri="{BB962C8B-B14F-4D97-AF65-F5344CB8AC3E}">
+        <p14:creationId xmlns:p14="http://schemas.microsoft.com/office/powerpoint/2010/main" val="4182458277"/>
+      </p:ext>
+    </p:extLst>
+  </p:cSld>
+  <p:clrMapOvr>
+    <a:masterClrMapping/>
+  </p:clrMapOvr>
+  <p:timing>
+    <p:tnLst>
+      <p:par>
+        <p:cTn id="1" dur="indefinite" restart="never" nodeType="tmRoot">
+          <p:childTnLst>
+            <p:seq concurrent="1" nextAc="seek">
+              <p:cTn id="2" dur="indefinite" nodeType="mainSeq">
+                <p:childTnLst>
+                  <p:par>
+                    <p:cTn id="3" fill="hold">
+                      <p:stCondLst>
+                        <p:cond delay="indefinite"/>
+                        <p:cond evt="onBegin" delay="0">
+                          <p:tn val="2"/>
+                        </p:cond>
+                      </p:stCondLst>
+                      <p:childTnLst>
+                        <p:par>
+                          <p:cTn id="4" fill="hold">
+                            <p:stCondLst>
+                              <p:cond delay="0"/>
+                            </p:stCondLst>
+                            <p:childTnLst>
+                              <p:par>
+                                <p:cTn id="5" presetID="10" presetClass="entr" presetSubtype="0" fill="hold" grpId="0" nodeType="withEffect" nodePh="1">
+                                  <p:stCondLst>
+                                    <p:cond delay="500"/>
+                                  </p:stCondLst>
+                                  <p:endCondLst>
+                                    <p:cond evt="begin" delay="0">
+                                      <p:tn val="5"/>
+                                    </p:cond>
+                                  </p:endCondLst>
+                                  <p:iterate type="wd">
+                                    <p:tmPct val="15000"/>
+                                  </p:iterate>
+                                  <p:childTnLst>
+                                    <p:set>
+                                      <p:cBhvr>
+                                        <p:cTn id="6" dur="1" fill="hold">
+                                          <p:stCondLst>
+                                            <p:cond delay="0"/>
+                                          </p:stCondLst>
+                                        </p:cTn>
+                                        <p:tgtEl>
+                                          <p:spTgt spid="5"/>
+                                        </p:tgtEl>
+                                        <p:attrNameLst>
+                                          <p:attrName>style.visibility</p:attrName>
+                                        </p:attrNameLst>
+                                      </p:cBhvr>
+                                      <p:to>
+                                        <p:strVal val="visible"/>
+                                      </p:to>
+                                    </p:set>
+                                    <p:animEffect transition="in" filter="fade">
+                                      <p:cBhvr>
+                                        <p:cTn id="7" dur="1000"/>
+                                        <p:tgtEl>
+                                          <p:spTgt spid="5"/>
+                                        </p:tgtEl>
+                                      </p:cBhvr>
+                                    </p:animEffect>
+                                  </p:childTnLst>
+                                </p:cTn>
+                              </p:par>
+                            </p:childTnLst>
+                          </p:cTn>
+                        </p:par>
+                      </p:childTnLst>
+                    </p:cTn>
+                  </p:par>
+                </p:childTnLst>
+              </p:cTn>
+              <p:prevCondLst>
+                <p:cond evt="onPrev" delay="0">
+                  <p:tgtEl>
+                    <p:sldTgt/>
+                  </p:tgtEl>
+                </p:cond>
+              </p:prevCondLst>
+              <p:nextCondLst>
+                <p:cond evt="onNext" delay="0">
+                  <p:tgtEl>
+                    <p:sldTgt/>
+                  </p:tgtEl>
+                </p:cond>
+              </p:nextCondLst>
+            </p:seq>
+          </p:childTnLst>
+        </p:cTn>
+      </p:par>
+    </p:tnLst>
+    <p:bldLst>
+      <p:bldP spid="5" grpId="0"/>
+    </p:bldLst>
+  </p:timing>
+</p:sld>
+</file>
+
+<file path=ppt/slides/slide3.xml><?xml version="1.0" encoding="utf-8"?>
+<p:sld xmlns:a="http://schemas.openxmlformats.org/drawingml/2006/main" xmlns:r="http://schemas.openxmlformats.org/officeDocument/2006/relationships" xmlns:p="http://schemas.openxmlformats.org/presentationml/2006/main">
+  <p:cSld>
+    <p:bg>
+      <p:bgPr>
+        <a:solidFill>
+          <a:schemeClr val="bg1"/>
+        </a:solidFill>
+        <a:effectLst/>
+      </p:bgPr>
+    </p:bg>
+    <p:spTree>
+      <p:nvGrpSpPr>
+        <p:cNvPr id="1" name=""/>
+        <p:cNvGrpSpPr/>
+        <p:nvPr/>
+      </p:nvGrpSpPr>
+      <p:grpSpPr>
+        <a:xfrm>
+          <a:off x="0" y="0"/>
+          <a:ext cx="0" cy="0"/>
+          <a:chOff x="0" y="0"/>
+          <a:chExt cx="0" cy="0"/>
+        </a:xfrm>
+      </p:grpSpPr>
+      <p:sp useBgFill="1">
+        <p:nvSpPr>
+          <p:cNvPr id="8" name="Rectangle 7">
+            <a:extLst>
+              <a:ext uri="{FF2B5EF4-FFF2-40B4-BE49-F238E27FC236}">
+                <a16:creationId xmlns:a16="http://schemas.microsoft.com/office/drawing/2014/main" id="{1B15ED52-F352-441B-82BF-E0EA34836D08}"/>
+              </a:ext>
+              <a:ext uri="{C183D7F6-B498-43B3-948B-1728B52AA6E4}">
+                <adec:decorative xmlns:adec="http://schemas.microsoft.com/office/drawing/2017/decorative" val="1"/>
+              </a:ext>
+            </a:extLst>
+          </p:cNvPr>
+          <p:cNvSpPr>
+            <a:spLocks noGrp="1" noRot="1" noChangeAspect="1" noMove="1" noResize="1" noEditPoints="1" noAdjustHandles="1" noChangeArrowheads="1" noChangeShapeType="1" noTextEdit="1"/>
+          </p:cNvSpPr>
+          <p:nvPr>
+            <p:extLst>
+              <p:ext uri="{386F3935-93C4-4BCD-93E2-E3B085C9AB24}">
+                <p16:designElem xmlns:p16="http://schemas.microsoft.com/office/powerpoint/2015/main" val="1"/>
+              </p:ext>
+            </p:extLst>
+          </p:nvPr>
+        </p:nvSpPr>
+        <p:spPr>
+          <a:xfrm>
+            <a:off x="0" y="0"/>
+            <a:ext cx="12192000" cy="6858000"/>
+          </a:xfrm>
+          <a:prstGeom prst="rect">
+            <a:avLst/>
+          </a:prstGeom>
+          <a:ln w="12700" cap="flat" cmpd="sng" algn="ctr">
+            <a:noFill/>
+            <a:prstDash val="solid"/>
+            <a:miter lim="800000"/>
+          </a:ln>
+          <a:effectLst/>
+          <a:extLst>
+            <a:ext uri="{91240B29-F687-4F45-9708-019B960494DF}">
+              <a14:hiddenLine xmlns:a14="http://schemas.microsoft.com/office/drawing/2010/main" w="12700" cap="flat" cmpd="sng" algn="ctr">
+                <a:solidFill>
+                  <a:schemeClr val="accent1">
+                    <a:shade val="50000"/>
+                  </a:schemeClr>
+                </a:solidFill>
+                <a:prstDash val="solid"/>
+                <a:miter lim="800000"/>
+              </a14:hiddenLine>
+            </a:ext>
+          </a:extLst>
+        </p:spPr>
+        <p:style>
+          <a:lnRef idx="2">
+            <a:schemeClr val="accent1">
+              <a:shade val="50000"/>
+            </a:schemeClr>
+          </a:lnRef>
+          <a:fillRef idx="1">
+            <a:schemeClr val="accent1"/>
+          </a:fillRef>
+          <a:effectRef idx="0">
+            <a:schemeClr val="accent1"/>
+          </a:effectRef>
+          <a:fontRef idx="minor">
+            <a:schemeClr val="lt1"/>
+          </a:fontRef>
+        </p:style>
+        <p:txBody>
+          <a:bodyPr rtlCol="0" anchor="ctr"/>
+          <a:lstStyle/>
+          <a:p>
+            <a:pPr algn="ctr"/>
+            <a:endParaRPr lang="en-US"/>
+          </a:p>
+        </p:txBody>
+      </p:sp>
+      <p:sp>
+        <p:nvSpPr>
+          <p:cNvPr id="10" name="Rectangle 9">
+            <a:extLst>
+              <a:ext uri="{FF2B5EF4-FFF2-40B4-BE49-F238E27FC236}">
+                <a16:creationId xmlns:a16="http://schemas.microsoft.com/office/drawing/2014/main" id="{3B2E3793-BFE6-45A2-9B7B-E18844431C99}"/>
+              </a:ext>
+              <a:ext uri="{C183D7F6-B498-43B3-948B-1728B52AA6E4}">
+                <adec:decorative xmlns:adec="http://schemas.microsoft.com/office/drawing/2017/decorative" val="1"/>
+              </a:ext>
+            </a:extLst>
+          </p:cNvPr>
+          <p:cNvSpPr>
+            <a:spLocks noGrp="1" noRot="1" noChangeAspect="1" noMove="1" noResize="1" noEditPoints="1" noAdjustHandles="1" noChangeArrowheads="1" noChangeShapeType="1" noTextEdit="1"/>
+          </p:cNvSpPr>
+          <p:nvPr>
+            <p:extLst>
+              <p:ext uri="{386F3935-93C4-4BCD-93E2-E3B085C9AB24}">
+                <p16:designElem xmlns:p16="http://schemas.microsoft.com/office/powerpoint/2015/main" val="1"/>
+              </p:ext>
+            </p:extLst>
+          </p:nvPr>
+        </p:nvSpPr>
+        <p:spPr>
+          <a:xfrm flipH="1">
+            <a:off x="-1" y="-1"/>
+            <a:ext cx="12191998" cy="1590742"/>
+          </a:xfrm>
+          <a:prstGeom prst="rect">
+            <a:avLst/>
+          </a:prstGeom>
+          <a:gradFill>
+            <a:gsLst>
+              <a:gs pos="0">
+                <a:srgbClr val="000000"/>
+              </a:gs>
+              <a:gs pos="100000">
+                <a:schemeClr val="accent1">
+                  <a:lumMod val="75000"/>
+                </a:schemeClr>
+              </a:gs>
+            </a:gsLst>
+            <a:lin ang="8400000" scaled="0"/>
+          </a:gradFill>
+          <a:ln>
+            <a:noFill/>
+          </a:ln>
+        </p:spPr>
+        <p:style>
+          <a:lnRef idx="2">
+            <a:schemeClr val="accent1">
+              <a:shade val="50000"/>
+            </a:schemeClr>
+          </a:lnRef>
+          <a:fillRef idx="1">
+            <a:schemeClr val="accent1"/>
+          </a:fillRef>
+          <a:effectRef idx="0">
+            <a:schemeClr val="accent1"/>
+          </a:effectRef>
+          <a:fontRef idx="minor">
+            <a:schemeClr val="lt1"/>
+          </a:fontRef>
+        </p:style>
+        <p:txBody>
+          <a:bodyPr rtlCol="0" anchor="ctr"/>
+          <a:lstStyle/>
+          <a:p>
+            <a:pPr algn="ctr"/>
+            <a:endParaRPr lang="en-US"/>
+          </a:p>
+        </p:txBody>
+      </p:sp>
+      <p:sp>
+        <p:nvSpPr>
+          <p:cNvPr id="12" name="Rectangle 11">
+            <a:extLst>
+              <a:ext uri="{FF2B5EF4-FFF2-40B4-BE49-F238E27FC236}">
+                <a16:creationId xmlns:a16="http://schemas.microsoft.com/office/drawing/2014/main" id="{BC4C4868-CB8F-4AF9-9CDB-8108F2C19B67}"/>
+              </a:ext>
+              <a:ext uri="{C183D7F6-B498-43B3-948B-1728B52AA6E4}">
+                <adec:decorative xmlns:adec="http://schemas.microsoft.com/office/drawing/2017/decorative" val="1"/>
+              </a:ext>
+            </a:extLst>
+          </p:cNvPr>
+          <p:cNvSpPr>
+            <a:spLocks noGrp="1" noRot="1" noChangeAspect="1" noMove="1" noResize="1" noEditPoints="1" noAdjustHandles="1" noChangeArrowheads="1" noChangeShapeType="1" noTextEdit="1"/>
+          </p:cNvSpPr>
+          <p:nvPr>
+            <p:extLst>
+              <p:ext uri="{386F3935-93C4-4BCD-93E2-E3B085C9AB24}">
+                <p16:designElem xmlns:p16="http://schemas.microsoft.com/office/powerpoint/2015/main" val="1"/>
+              </p:ext>
+            </p:extLst>
+          </p:nvPr>
+        </p:nvSpPr>
+        <p:spPr>
+          <a:xfrm rot="10800000" flipH="1">
+            <a:off x="-3" y="0"/>
+            <a:ext cx="8115306" cy="1590742"/>
+          </a:xfrm>
+          <a:prstGeom prst="rect">
+            <a:avLst/>
+          </a:prstGeom>
+          <a:gradFill>
+            <a:gsLst>
+              <a:gs pos="20000">
+                <a:schemeClr val="accent1">
+                  <a:alpha val="0"/>
+                </a:schemeClr>
+              </a:gs>
+              <a:gs pos="100000">
+                <a:schemeClr val="accent1">
+                  <a:lumMod val="50000"/>
+                  <a:alpha val="55000"/>
+                </a:schemeClr>
+              </a:gs>
+            </a:gsLst>
+            <a:lin ang="13800000" scaled="0"/>
+          </a:gradFill>
+          <a:ln>
+            <a:noFill/>
+          </a:ln>
+        </p:spPr>
+        <p:style>
+          <a:lnRef idx="2">
+            <a:schemeClr val="accent1">
+              <a:shade val="50000"/>
+            </a:schemeClr>
+          </a:lnRef>
+          <a:fillRef idx="1">
+            <a:schemeClr val="accent1"/>
+          </a:fillRef>
+          <a:effectRef idx="0">
+            <a:schemeClr val="accent1"/>
+          </a:effectRef>
+          <a:fontRef idx="minor">
+            <a:schemeClr val="lt1"/>
+          </a:fontRef>
+        </p:style>
+        <p:txBody>
+          <a:bodyPr rtlCol="0" anchor="ctr"/>
+          <a:lstStyle/>
+          <a:p>
+            <a:pPr algn="ctr"/>
+            <a:endParaRPr lang="en-US"/>
+          </a:p>
+        </p:txBody>
+      </p:sp>
+      <p:sp>
+        <p:nvSpPr>
+          <p:cNvPr id="14" name="Rectangle 13">
+            <a:extLst>
+              <a:ext uri="{FF2B5EF4-FFF2-40B4-BE49-F238E27FC236}">
+                <a16:creationId xmlns:a16="http://schemas.microsoft.com/office/drawing/2014/main" id="{375E0459-6403-40CD-989D-56A4407CA12E}"/>
+              </a:ext>
+              <a:ext uri="{C183D7F6-B498-43B3-948B-1728B52AA6E4}">
+                <adec:decorative xmlns:adec="http://schemas.microsoft.com/office/drawing/2017/decorative" val="1"/>
+              </a:ext>
+            </a:extLst>
+          </p:cNvPr>
+          <p:cNvSpPr>
+            <a:spLocks noGrp="1" noRot="1" noChangeAspect="1" noMove="1" noResize="1" noEditPoints="1" noAdjustHandles="1" noChangeArrowheads="1" noChangeShapeType="1" noTextEdit="1"/>
+          </p:cNvSpPr>
+          <p:nvPr>
+            <p:extLst>
+              <p:ext uri="{386F3935-93C4-4BCD-93E2-E3B085C9AB24}">
+                <p16:designElem xmlns:p16="http://schemas.microsoft.com/office/powerpoint/2015/main" val="1"/>
+              </p:ext>
+            </p:extLst>
+          </p:nvPr>
+        </p:nvSpPr>
+        <p:spPr>
+          <a:xfrm flipH="1">
+            <a:off x="8115299" y="-1"/>
+            <a:ext cx="4076698" cy="1590742"/>
+          </a:xfrm>
+          <a:prstGeom prst="rect">
+            <a:avLst/>
+          </a:prstGeom>
+          <a:gradFill>
+            <a:gsLst>
+              <a:gs pos="0">
+                <a:schemeClr val="accent1">
+                  <a:alpha val="66000"/>
+                </a:schemeClr>
+              </a:gs>
+              <a:gs pos="100000">
+                <a:srgbClr val="000000">
+                  <a:alpha val="30000"/>
+                </a:srgbClr>
+              </a:gs>
+            </a:gsLst>
+            <a:lin ang="13200000" scaled="0"/>
+          </a:gradFill>
+          <a:ln>
+            <a:noFill/>
+          </a:ln>
+        </p:spPr>
+        <p:style>
+          <a:lnRef idx="2">
+            <a:schemeClr val="accent1">
+              <a:shade val="50000"/>
+            </a:schemeClr>
+          </a:lnRef>
+          <a:fillRef idx="1">
+            <a:schemeClr val="accent1"/>
+          </a:fillRef>
+          <a:effectRef idx="0">
+            <a:schemeClr val="accent1"/>
+          </a:effectRef>
+          <a:fontRef idx="minor">
+            <a:schemeClr val="lt1"/>
+          </a:fontRef>
+        </p:style>
+        <p:txBody>
+          <a:bodyPr rtlCol="0" anchor="ctr"/>
+          <a:lstStyle/>
+          <a:p>
+            <a:pPr algn="ctr"/>
+            <a:endParaRPr lang="en-US"/>
+          </a:p>
+        </p:txBody>
+      </p:sp>
+      <p:sp>
+        <p:nvSpPr>
+          <p:cNvPr id="16" name="Rectangle 15">
+            <a:extLst>
+              <a:ext uri="{FF2B5EF4-FFF2-40B4-BE49-F238E27FC236}">
+                <a16:creationId xmlns:a16="http://schemas.microsoft.com/office/drawing/2014/main" id="{53E5B1A8-3AC9-4BD1-9BBC-78CA94F2D1BA}"/>
+              </a:ext>
+              <a:ext uri="{C183D7F6-B498-43B3-948B-1728B52AA6E4}">
+                <adec:decorative xmlns:adec="http://schemas.microsoft.com/office/drawing/2017/decorative" val="1"/>
+              </a:ext>
+            </a:extLst>
+          </p:cNvPr>
+          <p:cNvSpPr>
+            <a:spLocks noGrp="1" noRot="1" noChangeAspect="1" noMove="1" noResize="1" noEditPoints="1" noAdjustHandles="1" noChangeArrowheads="1" noChangeShapeType="1" noTextEdit="1"/>
+          </p:cNvSpPr>
+          <p:nvPr>
+            <p:extLst>
+              <p:ext uri="{386F3935-93C4-4BCD-93E2-E3B085C9AB24}">
+                <p16:designElem xmlns:p16="http://schemas.microsoft.com/office/powerpoint/2015/main" val="1"/>
+              </p:ext>
+            </p:extLst>
+          </p:nvPr>
+        </p:nvSpPr>
+        <p:spPr>
+          <a:xfrm>
+            <a:off x="459350" y="-1"/>
+            <a:ext cx="11732646" cy="1597433"/>
+          </a:xfrm>
+          <a:prstGeom prst="rect">
+            <a:avLst/>
+          </a:prstGeom>
+          <a:gradFill>
+            <a:gsLst>
+              <a:gs pos="50000">
+                <a:srgbClr val="000000">
+                  <a:alpha val="0"/>
+                </a:srgbClr>
+              </a:gs>
+              <a:gs pos="99000">
+                <a:schemeClr val="accent1">
+                  <a:lumMod val="50000"/>
+                  <a:alpha val="52000"/>
+                </a:schemeClr>
+              </a:gs>
+            </a:gsLst>
+            <a:lin ang="16800000" scaled="0"/>
+          </a:gradFill>
+          <a:ln>
+            <a:noFill/>
+          </a:ln>
+        </p:spPr>
+        <p:style>
+          <a:lnRef idx="2">
+            <a:schemeClr val="accent1">
+              <a:shade val="50000"/>
+            </a:schemeClr>
+          </a:lnRef>
+          <a:fillRef idx="1">
+            <a:schemeClr val="accent1"/>
+          </a:fillRef>
+          <a:effectRef idx="0">
+            <a:schemeClr val="accent1"/>
+          </a:effectRef>
+          <a:fontRef idx="minor">
+            <a:schemeClr val="lt1"/>
+          </a:fontRef>
+        </p:style>
+        <p:txBody>
+          <a:bodyPr rtlCol="0" anchor="ctr"/>
+          <a:lstStyle/>
+          <a:p>
+            <a:pPr algn="ctr"/>
+            <a:endParaRPr lang="en-US"/>
+          </a:p>
+        </p:txBody>
+      </p:sp>
+      <p:sp>
+        <p:nvSpPr>
+          <p:cNvPr id="2" name="Title 1">
+            <a:extLst>
+              <a:ext uri="{FF2B5EF4-FFF2-40B4-BE49-F238E27FC236}">
                 <a16:creationId xmlns:a16="http://schemas.microsoft.com/office/drawing/2014/main" id="{2D4C223A-3065-7E22-A15D-F40E70A96D22}"/>
               </a:ext>
             </a:extLst>
@@ -12239,7 +13136,7 @@
 </p:sld>
 </file>
 
-<file path=ppt/slides/slide3.xml><?xml version="1.0" encoding="utf-8"?>
+<file path=ppt/slides/slide4.xml><?xml version="1.0" encoding="utf-8"?>
 <p:sld xmlns:a="http://schemas.openxmlformats.org/drawingml/2006/main" xmlns:r="http://schemas.openxmlformats.org/officeDocument/2006/relationships" xmlns:p="http://schemas.openxmlformats.org/presentationml/2006/main">
   <p:cSld>
     <p:bg>
@@ -13100,7 +13997,7 @@
 </p:sld>
 </file>
 
-<file path=ppt/slides/slide4.xml><?xml version="1.0" encoding="utf-8"?>
+<file path=ppt/slides/slide5.xml><?xml version="1.0" encoding="utf-8"?>
 <p:sld xmlns:a="http://schemas.openxmlformats.org/drawingml/2006/main" xmlns:r="http://schemas.openxmlformats.org/officeDocument/2006/relationships" xmlns:p="http://schemas.openxmlformats.org/presentationml/2006/main">
   <p:cSld>
     <p:bg>
@@ -13803,7 +14700,7 @@
 </p:sld>
 </file>
 
-<file path=ppt/slides/slide5.xml><?xml version="1.0" encoding="utf-8"?>
+<file path=ppt/slides/slide6.xml><?xml version="1.0" encoding="utf-8"?>
 <p:sld xmlns:a="http://schemas.openxmlformats.org/drawingml/2006/main" xmlns:r="http://schemas.openxmlformats.org/officeDocument/2006/relationships" xmlns:p="http://schemas.openxmlformats.org/presentationml/2006/main">
   <p:cSld>
     <p:bg>
@@ -14302,7 +15199,7 @@
 </p:sld>
 </file>
 
-<file path=ppt/slides/slide6.xml><?xml version="1.0" encoding="utf-8"?>
+<file path=ppt/slides/slide7.xml><?xml version="1.0" encoding="utf-8"?>
 <p:sld xmlns:a="http://schemas.openxmlformats.org/drawingml/2006/main" xmlns:r="http://schemas.openxmlformats.org/officeDocument/2006/relationships" xmlns:p="http://schemas.openxmlformats.org/presentationml/2006/main">
   <p:cSld>
     <p:bg>
@@ -15195,7 +16092,7 @@
 </p:sld>
 </file>
 
-<file path=ppt/slides/slide7.xml><?xml version="1.0" encoding="utf-8"?>
+<file path=ppt/slides/slide8.xml><?xml version="1.0" encoding="utf-8"?>
 <p:sld xmlns:a="http://schemas.openxmlformats.org/drawingml/2006/main" xmlns:r="http://schemas.openxmlformats.org/officeDocument/2006/relationships" xmlns:p="http://schemas.openxmlformats.org/presentationml/2006/main">
   <p:cSld>
     <p:bg>
@@ -15979,7 +16876,7 @@
 </p:sld>
 </file>
 
-<file path=ppt/slides/slide8.xml><?xml version="1.0" encoding="utf-8"?>
+<file path=ppt/slides/slide9.xml><?xml version="1.0" encoding="utf-8"?>
 <p:sld xmlns:a="http://schemas.openxmlformats.org/drawingml/2006/main" xmlns:r="http://schemas.openxmlformats.org/officeDocument/2006/relationships" xmlns:p="http://schemas.openxmlformats.org/presentationml/2006/main">
   <p:cSld>
     <p:bg>
